--- a/database/slides/_BLANK.pptx
+++ b/database/slides/_BLANK.pptx
@@ -764,7 +764,7 @@
             </a:pPr>
             <a:r>
               <a:rPr lang="en-US" dirty="0"/>
-              <a:t>RECEIPPT-TAGS:</a:t>
+              <a:t>RECEIPPT-TAGS:TAG1,TAG2</a:t>
             </a:r>
             <a:endParaRPr dirty="0"/>
           </a:p>
@@ -15457,7 +15457,7 @@
                   <a:schemeClr val="bg1"/>
                 </a:solidFill>
               </a:rPr>
-              <a:t>BLANK SLIDE</a:t>
+              <a:t>SLIDE TITLE</a:t>
             </a:r>
           </a:p>
         </p:txBody>
@@ -15504,7 +15504,7 @@
               <a:buNone/>
             </a:pPr>
             <a:r>
-              <a:rPr lang="en-GB" sz="3600" b="1" i="1" dirty="0">
+              <a:rPr lang="en-GB" sz="3600" b="1" i="1">
                 <a:solidFill>
                   <a:schemeClr val="bg1"/>
                 </a:solidFill>
@@ -15512,8 +15512,16 @@
                 <a:ea typeface="Calibri" panose="020F0502020204030204" pitchFamily="34" charset="0"/>
                 <a:cs typeface="Calibri" panose="020F0502020204030204" pitchFamily="34" charset="0"/>
               </a:rPr>
-              <a:t>ADD TEXT HERE</a:t>
+              <a:t>SLIDE TEXT</a:t>
             </a:r>
+            <a:endParaRPr lang="en-GB" sz="3600" b="1" i="1" dirty="0">
+              <a:solidFill>
+                <a:schemeClr val="bg1"/>
+              </a:solidFill>
+              <a:latin typeface="Calibri" panose="020F0502020204030204" pitchFamily="34" charset="0"/>
+              <a:ea typeface="Calibri" panose="020F0502020204030204" pitchFamily="34" charset="0"/>
+              <a:cs typeface="Calibri" panose="020F0502020204030204" pitchFamily="34" charset="0"/>
+            </a:endParaRPr>
           </a:p>
         </p:txBody>
       </p:sp>

--- a/database/slides/_BLANK.pptx
+++ b/database/slides/_BLANK.pptx
@@ -15504,7 +15504,7 @@
               <a:buNone/>
             </a:pPr>
             <a:r>
-              <a:rPr lang="en-GB" sz="3600" b="1" i="1">
+              <a:rPr lang="en-GB" sz="3600" b="1" dirty="0">
                 <a:solidFill>
                   <a:schemeClr val="bg1"/>
                 </a:solidFill>
@@ -15512,16 +15512,8 @@
                 <a:ea typeface="Calibri" panose="020F0502020204030204" pitchFamily="34" charset="0"/>
                 <a:cs typeface="Calibri" panose="020F0502020204030204" pitchFamily="34" charset="0"/>
               </a:rPr>
-              <a:t>SLIDE TEXT</a:t>
+              <a:t>ADD TEXT</a:t>
             </a:r>
-            <a:endParaRPr lang="en-GB" sz="3600" b="1" i="1" dirty="0">
-              <a:solidFill>
-                <a:schemeClr val="bg1"/>
-              </a:solidFill>
-              <a:latin typeface="Calibri" panose="020F0502020204030204" pitchFamily="34" charset="0"/>
-              <a:ea typeface="Calibri" panose="020F0502020204030204" pitchFamily="34" charset="0"/>
-              <a:cs typeface="Calibri" panose="020F0502020204030204" pitchFamily="34" charset="0"/>
-            </a:endParaRPr>
           </a:p>
         </p:txBody>
       </p:sp>

--- a/database/slides/_BLANK.pptx
+++ b/database/slides/_BLANK.pptx
@@ -15504,6 +15504,17 @@
               <a:buNone/>
             </a:pPr>
             <a:r>
+              <a:rPr lang="en-GB" sz="3600" b="1">
+                <a:solidFill>
+                  <a:schemeClr val="bg1"/>
+                </a:solidFill>
+                <a:latin typeface="Calibri" panose="020F0502020204030204" pitchFamily="34" charset="0"/>
+                <a:ea typeface="Calibri" panose="020F0502020204030204" pitchFamily="34" charset="0"/>
+                <a:cs typeface="Calibri" panose="020F0502020204030204" pitchFamily="34" charset="0"/>
+              </a:rPr>
+              <a:t>SLIDE </a:t>
+            </a:r>
+            <a:r>
               <a:rPr lang="en-GB" sz="3600" b="1" dirty="0">
                 <a:solidFill>
                   <a:schemeClr val="bg1"/>
@@ -15512,7 +15523,7 @@
                 <a:ea typeface="Calibri" panose="020F0502020204030204" pitchFamily="34" charset="0"/>
                 <a:cs typeface="Calibri" panose="020F0502020204030204" pitchFamily="34" charset="0"/>
               </a:rPr>
-              <a:t>ADD TEXT</a:t>
+              <a:t>TEXT</a:t>
             </a:r>
           </a:p>
         </p:txBody>

--- a/database/slides/_BLANK.pptx
+++ b/database/slides/_BLANK.pptx
@@ -15504,7 +15504,7 @@
               <a:buNone/>
             </a:pPr>
             <a:r>
-              <a:rPr lang="en-GB" sz="3600" b="1">
+              <a:rPr lang="en-GB" sz="3600" b="1" i="1">
                 <a:solidFill>
                   <a:schemeClr val="bg1"/>
                 </a:solidFill>
@@ -15512,19 +15512,16 @@
                 <a:ea typeface="Calibri" panose="020F0502020204030204" pitchFamily="34" charset="0"/>
                 <a:cs typeface="Calibri" panose="020F0502020204030204" pitchFamily="34" charset="0"/>
               </a:rPr>
-              <a:t>SLIDE </a:t>
+              <a:t>SLIDE TEXT</a:t>
             </a:r>
-            <a:r>
-              <a:rPr lang="en-GB" sz="3600" b="1" dirty="0">
-                <a:solidFill>
-                  <a:schemeClr val="bg1"/>
-                </a:solidFill>
-                <a:latin typeface="Calibri" panose="020F0502020204030204" pitchFamily="34" charset="0"/>
-                <a:ea typeface="Calibri" panose="020F0502020204030204" pitchFamily="34" charset="0"/>
-                <a:cs typeface="Calibri" panose="020F0502020204030204" pitchFamily="34" charset="0"/>
-              </a:rPr>
-              <a:t>TEXT</a:t>
-            </a:r>
+            <a:endParaRPr lang="en-GB" sz="3600" b="1" i="1" dirty="0">
+              <a:solidFill>
+                <a:schemeClr val="bg1"/>
+              </a:solidFill>
+              <a:latin typeface="Calibri" panose="020F0502020204030204" pitchFamily="34" charset="0"/>
+              <a:ea typeface="Calibri" panose="020F0502020204030204" pitchFamily="34" charset="0"/>
+              <a:cs typeface="Calibri" panose="020F0502020204030204" pitchFamily="34" charset="0"/>
+            </a:endParaRPr>
           </a:p>
         </p:txBody>
       </p:sp>

--- a/database/slides/_BLANK.pptx
+++ b/database/slides/_BLANK.pptx
@@ -15512,16 +15512,19 @@
                 <a:ea typeface="Calibri" panose="020F0502020204030204" pitchFamily="34" charset="0"/>
                 <a:cs typeface="Calibri" panose="020F0502020204030204" pitchFamily="34" charset="0"/>
               </a:rPr>
-              <a:t>SLIDE TEXT</a:t>
+              <a:t>ADD SLIDE </a:t>
             </a:r>
-            <a:endParaRPr lang="en-GB" sz="3600" b="1" i="1" dirty="0">
-              <a:solidFill>
-                <a:schemeClr val="bg1"/>
-              </a:solidFill>
-              <a:latin typeface="Calibri" panose="020F0502020204030204" pitchFamily="34" charset="0"/>
-              <a:ea typeface="Calibri" panose="020F0502020204030204" pitchFamily="34" charset="0"/>
-              <a:cs typeface="Calibri" panose="020F0502020204030204" pitchFamily="34" charset="0"/>
-            </a:endParaRPr>
+            <a:r>
+              <a:rPr lang="en-GB" sz="3600" b="1" i="1" dirty="0">
+                <a:solidFill>
+                  <a:schemeClr val="bg1"/>
+                </a:solidFill>
+                <a:latin typeface="Calibri" panose="020F0502020204030204" pitchFamily="34" charset="0"/>
+                <a:ea typeface="Calibri" panose="020F0502020204030204" pitchFamily="34" charset="0"/>
+                <a:cs typeface="Calibri" panose="020F0502020204030204" pitchFamily="34" charset="0"/>
+              </a:rPr>
+              <a:t>TEXT</a:t>
+            </a:r>
           </a:p>
         </p:txBody>
       </p:sp>

--- a/database/slides/_BLANK.pptx
+++ b/database/slides/_BLANK.pptx
@@ -15452,12 +15452,20 @@
           <a:p>
             <a:pPr marL="171450" algn="l"/>
             <a:r>
+              <a:rPr lang="en-GB" sz="3200" b="1" u="sng">
+                <a:solidFill>
+                  <a:schemeClr val="bg1"/>
+                </a:solidFill>
+              </a:rPr>
+              <a:t>ADD SLIDE </a:t>
+            </a:r>
+            <a:r>
               <a:rPr lang="en-GB" sz="3200" b="1" u="sng" dirty="0">
                 <a:solidFill>
                   <a:schemeClr val="bg1"/>
                 </a:solidFill>
               </a:rPr>
-              <a:t>SLIDE TITLE</a:t>
+              <a:t>TITLE</a:t>
             </a:r>
           </a:p>
         </p:txBody>
@@ -15504,17 +15512,6 @@
               <a:buNone/>
             </a:pPr>
             <a:r>
-              <a:rPr lang="en-GB" sz="3600" b="1" i="1">
-                <a:solidFill>
-                  <a:schemeClr val="bg1"/>
-                </a:solidFill>
-                <a:latin typeface="Calibri" panose="020F0502020204030204" pitchFamily="34" charset="0"/>
-                <a:ea typeface="Calibri" panose="020F0502020204030204" pitchFamily="34" charset="0"/>
-                <a:cs typeface="Calibri" panose="020F0502020204030204" pitchFamily="34" charset="0"/>
-              </a:rPr>
-              <a:t>ADD SLIDE </a:t>
-            </a:r>
-            <a:r>
               <a:rPr lang="en-GB" sz="3600" b="1" i="1" dirty="0">
                 <a:solidFill>
                   <a:schemeClr val="bg1"/>
@@ -15523,7 +15520,7 @@
                 <a:ea typeface="Calibri" panose="020F0502020204030204" pitchFamily="34" charset="0"/>
                 <a:cs typeface="Calibri" panose="020F0502020204030204" pitchFamily="34" charset="0"/>
               </a:rPr>
-              <a:t>TEXT</a:t>
+              <a:t>ADD SLIDE TEXT</a:t>
             </a:r>
           </a:p>
         </p:txBody>

--- a/database/slides/_BLANK.pptx
+++ b/database/slides/_BLANK.pptx
@@ -764,7 +764,7 @@
             </a:pPr>
             <a:r>
               <a:rPr lang="en-US" dirty="0"/>
-              <a:t>RECEIPPT-TAGS:TAG1,TAG2</a:t>
+              <a:t>RECEIPPT-TAGS:TAG1,TAG2,tag3</a:t>
             </a:r>
             <a:endParaRPr dirty="0"/>
           </a:p>

--- a/database/slides/_BLANK.pptx
+++ b/database/slides/_BLANK.pptx
@@ -764,7 +764,11 @@
             </a:pPr>
             <a:r>
               <a:rPr lang="en-US" dirty="0"/>
-              <a:t>RECEIPPT-TAGS:TAG1,TAG2,tag3</a:t>
+              <a:t>RECEIPPT-TAGS:TAG1</a:t>
+            </a:r>
+            <a:r>
+              <a:rPr lang="en-US"/>
+              <a:t>,TAG2</a:t>
             </a:r>
             <a:endParaRPr dirty="0"/>
           </a:p>
